--- a/Технологии анализа данных и машинное обучение/Курсовая работа/Курсовая Ерошкин.pptx
+++ b/Технологии анализа данных и машинное обучение/Курсовая работа/Курсовая Ерошкин.pptx
@@ -175,7 +175,7 @@
           <a:p>
             <a:fld id="{D02530AB-7E7F-42A0-9819-35D12B816B3C}" type="datetimeFigureOut">
               <a:rPr lang="ru-RU" smtClean="0"/>
-              <a:t>26.05.2024</a:t>
+              <a:t>27.05.2024</a:t>
             </a:fld>
             <a:endParaRPr lang="ru-RU"/>
           </a:p>
@@ -439,7 +439,7 @@
           <a:p>
             <a:fld id="{D02530AB-7E7F-42A0-9819-35D12B816B3C}" type="datetimeFigureOut">
               <a:rPr lang="ru-RU" smtClean="0"/>
-              <a:t>26.05.2024</a:t>
+              <a:t>27.05.2024</a:t>
             </a:fld>
             <a:endParaRPr lang="ru-RU"/>
           </a:p>
@@ -781,7 +781,7 @@
           <a:p>
             <a:fld id="{D02530AB-7E7F-42A0-9819-35D12B816B3C}" type="datetimeFigureOut">
               <a:rPr lang="ru-RU" smtClean="0"/>
-              <a:t>26.05.2024</a:t>
+              <a:t>27.05.2024</a:t>
             </a:fld>
             <a:endParaRPr lang="ru-RU"/>
           </a:p>
@@ -1119,7 +1119,7 @@
           <a:p>
             <a:fld id="{D02530AB-7E7F-42A0-9819-35D12B816B3C}" type="datetimeFigureOut">
               <a:rPr lang="ru-RU" smtClean="0"/>
-              <a:t>26.05.2024</a:t>
+              <a:t>27.05.2024</a:t>
             </a:fld>
             <a:endParaRPr lang="ru-RU"/>
           </a:p>
@@ -1553,7 +1553,7 @@
           <a:p>
             <a:fld id="{D02530AB-7E7F-42A0-9819-35D12B816B3C}" type="datetimeFigureOut">
               <a:rPr lang="ru-RU" smtClean="0"/>
-              <a:t>26.05.2024</a:t>
+              <a:t>27.05.2024</a:t>
             </a:fld>
             <a:endParaRPr lang="ru-RU"/>
           </a:p>
@@ -1952,7 +1952,7 @@
           <a:p>
             <a:fld id="{D02530AB-7E7F-42A0-9819-35D12B816B3C}" type="datetimeFigureOut">
               <a:rPr lang="ru-RU" smtClean="0"/>
-              <a:t>26.05.2024</a:t>
+              <a:t>27.05.2024</a:t>
             </a:fld>
             <a:endParaRPr lang="ru-RU"/>
           </a:p>
@@ -2480,7 +2480,7 @@
           <a:p>
             <a:fld id="{D02530AB-7E7F-42A0-9819-35D12B816B3C}" type="datetimeFigureOut">
               <a:rPr lang="ru-RU" smtClean="0"/>
-              <a:t>26.05.2024</a:t>
+              <a:t>27.05.2024</a:t>
             </a:fld>
             <a:endParaRPr lang="ru-RU"/>
           </a:p>
@@ -2766,7 +2766,7 @@
           <a:p>
             <a:fld id="{D02530AB-7E7F-42A0-9819-35D12B816B3C}" type="datetimeFigureOut">
               <a:rPr lang="ru-RU" smtClean="0"/>
-              <a:t>26.05.2024</a:t>
+              <a:t>27.05.2024</a:t>
             </a:fld>
             <a:endParaRPr lang="ru-RU"/>
           </a:p>
@@ -3052,7 +3052,7 @@
           <a:p>
             <a:fld id="{D02530AB-7E7F-42A0-9819-35D12B816B3C}" type="datetimeFigureOut">
               <a:rPr lang="ru-RU" smtClean="0"/>
-              <a:t>26.05.2024</a:t>
+              <a:t>27.05.2024</a:t>
             </a:fld>
             <a:endParaRPr lang="ru-RU"/>
           </a:p>
@@ -3591,7 +3591,7 @@
           <a:p>
             <a:fld id="{D02530AB-7E7F-42A0-9819-35D12B816B3C}" type="datetimeFigureOut">
               <a:rPr lang="ru-RU" smtClean="0"/>
-              <a:t>26.05.2024</a:t>
+              <a:t>27.05.2024</a:t>
             </a:fld>
             <a:endParaRPr lang="ru-RU"/>
           </a:p>
@@ -4006,7 +4006,7 @@
           <a:p>
             <a:fld id="{D02530AB-7E7F-42A0-9819-35D12B816B3C}" type="datetimeFigureOut">
               <a:rPr lang="ru-RU" smtClean="0"/>
-              <a:t>26.05.2024</a:t>
+              <a:t>27.05.2024</a:t>
             </a:fld>
             <a:endParaRPr lang="ru-RU"/>
           </a:p>
@@ -4298,7 +4298,7 @@
           <a:p>
             <a:fld id="{D02530AB-7E7F-42A0-9819-35D12B816B3C}" type="datetimeFigureOut">
               <a:rPr lang="ru-RU" smtClean="0"/>
-              <a:t>26.05.2024</a:t>
+              <a:t>27.05.2024</a:t>
             </a:fld>
             <a:endParaRPr lang="ru-RU" dirty="0"/>
           </a:p>
@@ -4783,7 +4783,23 @@
                 <a:ea typeface="Tahoma" panose="020B0604030504040204" pitchFamily="34" charset="0"/>
                 <a:cs typeface="Times New Roman" panose="02020603050405020304" pitchFamily="18" charset="0"/>
               </a:rPr>
-              <a:t>«Машинное обучение в задачах нормализации слов текста»</a:t>
+              <a:t>«Машинное обучение в задачах</a:t>
+            </a:r>
+            <a:r>
+              <a:rPr lang="en-US" sz="3200" b="0" dirty="0">
+                <a:latin typeface="Times New Roman" panose="02020603050405020304" pitchFamily="18" charset="0"/>
+                <a:ea typeface="Tahoma" panose="020B0604030504040204" pitchFamily="34" charset="0"/>
+                <a:cs typeface="Times New Roman" panose="02020603050405020304" pitchFamily="18" charset="0"/>
+              </a:rPr>
+              <a:t> </a:t>
+            </a:r>
+            <a:r>
+              <a:rPr lang="ru-RU" sz="3200" b="0" dirty="0">
+                <a:latin typeface="Times New Roman" panose="02020603050405020304" pitchFamily="18" charset="0"/>
+                <a:ea typeface="Tahoma" panose="020B0604030504040204" pitchFamily="34" charset="0"/>
+                <a:cs typeface="Times New Roman" panose="02020603050405020304" pitchFamily="18" charset="0"/>
+              </a:rPr>
+              <a:t>машинного обучения для задач предсказания цен на акции»</a:t>
             </a:r>
             <a:br>
               <a:rPr lang="ru-RU" sz="3200" b="0" dirty="0">
